--- a/Automationdashboard/MAIN_FOLDER/Automation_Dashboard_Batterywise/V2/D11_03_2024/B4_BT02_13.59_14.50/analysis_B4_BT02_13.59_14.50.pptx
+++ b/Automationdashboard/MAIN_FOLDER/Automation_Dashboard_Batterywise/V2/D11_03_2024/B4_BT02_13.59_14.50/analysis_B4_BT02_13.59_14.50.pptx
@@ -3246,7 +3246,7 @@
                     <a:lstStyle/>
                     <a:p>
                       <a:r>
-                        <a:t>0 days 00:52:44.491000</a:t>
+                        <a:t>0 days 00:50:22.552000</a:t>
                       </a:r>
                     </a:p>
                   </a:txBody>
@@ -3272,7 +3272,7 @@
                     <a:lstStyle/>
                     <a:p>
                       <a:r>
-                        <a:t>33.510839722222215</a:t>
+                        <a:t>33.50112111111111</a:t>
                       </a:r>
                     </a:p>
                   </a:txBody>
@@ -3298,7 +3298,7 @@
                     <a:lstStyle/>
                     <a:p>
                       <a:r>
-                        <a:t>1708.2951099241668</a:t>
+                        <a:t>1707.7808621605554</a:t>
                       </a:r>
                     </a:p>
                   </a:txBody>
@@ -3324,7 +3324,7 @@
                     <a:lstStyle/>
                     <a:p>
                       <a:r>
-                        <a:t>39.374</a:t>
+                        <a:t>39.51</a:t>
                       </a:r>
                     </a:p>
                   </a:txBody>
@@ -3350,7 +3350,7 @@
                     <a:lstStyle/>
                     <a:p>
                       <a:r>
-                        <a:t>6.547</a:t>
+                        <a:t>6.548</a:t>
                       </a:r>
                     </a:p>
                   </a:txBody>
@@ -3376,6 +3376,32 @@
                     <a:lstStyle/>
                     <a:p>
                       <a:r>
+                        <a:t>99.0</a:t>
+                      </a:r>
+                    </a:p>
+                  </a:txBody>
+                  <a:tcPr/>
+                </a:tc>
+              </a:tr>
+              <a:tr h="326571">
+                <a:tc>
+                  <a:txBody>
+                    <a:bodyPr/>
+                    <a:lstStyle/>
+                    <a:p>
+                      <a:r>
+                        <a:t>Ending SoC (%)</a:t>
+                      </a:r>
+                    </a:p>
+                  </a:txBody>
+                  <a:tcPr/>
+                </a:tc>
+                <a:tc>
+                  <a:txBody>
+                    <a:bodyPr/>
+                    <a:lstStyle/>
+                    <a:p>
+                      <a:r>
                         <a:t>16.0</a:t>
                       </a:r>
                     </a:p>
@@ -3390,19 +3416,19 @@
                     <a:lstStyle/>
                     <a:p>
                       <a:r>
-                        <a:t>Ending SoC (%)</a:t>
-                      </a:r>
-                    </a:p>
-                  </a:txBody>
-                  <a:tcPr/>
-                </a:tc>
-                <a:tc>
-                  <a:txBody>
-                    <a:bodyPr/>
-                    <a:lstStyle/>
-                    <a:p>
-                      <a:r>
-                        <a:t>99.0</a:t>
+                        <a:t>Total distance covered (km)</a:t>
+                      </a:r>
+                    </a:p>
+                  </a:txBody>
+                  <a:tcPr/>
+                </a:tc>
+                <a:tc>
+                  <a:txBody>
+                    <a:bodyPr/>
+                    <a:lstStyle/>
+                    <a:p>
+                      <a:r>
+                        <a:t>32.755001923512395</a:t>
                       </a:r>
                     </a:p>
                   </a:txBody>
@@ -3416,19 +3442,19 @@
                     <a:lstStyle/>
                     <a:p>
                       <a:r>
-                        <a:t>Total distance covered (in kilometers)</a:t>
-                      </a:r>
-                    </a:p>
-                  </a:txBody>
-                  <a:tcPr/>
-                </a:tc>
-                <a:tc>
-                  <a:txBody>
-                    <a:bodyPr/>
-                    <a:lstStyle/>
-                    <a:p>
-                      <a:r>
-                        <a:t>32.76320401356542</a:t>
+                        <a:t>Total energy consumption(WH/KM)</a:t>
+                      </a:r>
+                    </a:p>
+                  </a:txBody>
+                  <a:tcPr/>
+                </a:tc>
+                <a:tc>
+                  <a:txBody>
+                    <a:bodyPr/>
+                    <a:lstStyle/>
+                    <a:p>
+                      <a:r>
+                        <a:t>52.138017459088154</a:t>
                       </a:r>
                     </a:p>
                   </a:txBody>
@@ -3442,19 +3468,19 @@
                     <a:lstStyle/>
                     <a:p>
                       <a:r>
-                        <a:t>WH/KM</a:t>
-                      </a:r>
-                    </a:p>
-                  </a:txBody>
-                  <a:tcPr/>
-                </a:tc>
-                <a:tc>
-                  <a:txBody>
-                    <a:bodyPr/>
-                    <a:lstStyle/>
-                    <a:p>
-                      <a:r>
-                        <a:t>52.14066088337565</a:t>
+                        <a:t>Total SOC consumed(%)</a:t>
+                      </a:r>
+                    </a:p>
+                  </a:txBody>
+                  <a:tcPr/>
+                </a:tc>
+                <a:tc>
+                  <a:txBody>
+                    <a:bodyPr/>
+                    <a:lstStyle/>
+                    <a:p>
+                      <a:r>
+                        <a:t>83.0</a:t>
                       </a:r>
                     </a:p>
                   </a:txBody>
@@ -3468,19 +3494,34 @@
                     <a:lstStyle/>
                     <a:p>
                       <a:r>
-                        <a:t>Total SOC consumed</a:t>
-                      </a:r>
-                    </a:p>
-                  </a:txBody>
-                  <a:tcPr/>
-                </a:tc>
-                <a:tc>
-                  <a:txBody>
-                    <a:bodyPr/>
-                    <a:lstStyle/>
-                    <a:p>
-                      <a:r>
-                        <a:t>83.0</a:t>
+                        <a:t>Mode</a:t>
+                      </a:r>
+                    </a:p>
+                  </a:txBody>
+                  <a:tcPr/>
+                </a:tc>
+                <a:tc>
+                  <a:txBody>
+                    <a:bodyPr/>
+                    <a:lstStyle/>
+                    <a:p>
+                      <a:r>
+                        <a:t>Custom mode</a:t>
+                      </a:r>
+                    </a:p>
+                    <a:p>
+                      <a:r>
+                        <a:t>78.47%</a:t>
+                      </a:r>
+                    </a:p>
+                    <a:p>
+                      <a:r>
+                        <a:t>Eco mode</a:t>
+                      </a:r>
+                    </a:p>
+                    <a:p>
+                      <a:r>
+                        <a:t>21.53%</a:t>
                       </a:r>
                     </a:p>
                   </a:txBody>
@@ -3494,58 +3535,7 @@
                     <a:lstStyle/>
                     <a:p>
                       <a:r>
-                        <a:t>Mode</a:t>
-                      </a:r>
-                    </a:p>
-                  </a:txBody>
-                  <a:tcPr/>
-                </a:tc>
-                <a:tc>
-                  <a:txBody>
-                    <a:bodyPr/>
-                    <a:lstStyle/>
-                    <a:p>
-                      <a:r>
-                        <a:t>Custom mode</a:t>
-                      </a:r>
-                    </a:p>
-                    <a:p>
-                      <a:r>
-                        <a:t>77.01%</a:t>
-                      </a:r>
-                    </a:p>
-                    <a:p>
-                      <a:r>
-                        <a:t>Eco mode</a:t>
-                      </a:r>
-                    </a:p>
-                    <a:p>
-                      <a:r>
-                        <a:t>22.80%</a:t>
-                      </a:r>
-                    </a:p>
-                    <a:p>
-                      <a:r>
-                        <a:t>Sports mode</a:t>
-                      </a:r>
-                    </a:p>
-                    <a:p>
-                      <a:r>
-                        <a:t>0.06%</a:t>
-                      </a:r>
-                    </a:p>
-                  </a:txBody>
-                  <a:tcPr/>
-                </a:tc>
-              </a:tr>
-              <a:tr h="326571">
-                <a:tc>
-                  <a:txBody>
-                    <a:bodyPr/>
-                    <a:lstStyle/>
-                    <a:p>
-                      <a:r>
-                        <a:t>Peak Power</a:t>
+                        <a:t>Peak Power(kW)</a:t>
                       </a:r>
                     </a:p>
                   </a:txBody>
@@ -3571,19 +3561,19 @@
                     <a:lstStyle/>
                     <a:p>
                       <a:r>
-                        <a:t>Average Power</a:t>
-                      </a:r>
-                    </a:p>
-                  </a:txBody>
-                  <a:tcPr/>
-                </a:tc>
-                <a:tc>
-                  <a:txBody>
-                    <a:bodyPr/>
-                    <a:lstStyle/>
-                    <a:p>
-                      <a:r>
-                        <a:t>-1951.0984758017132</a:t>
+                        <a:t>Average Power(kW)</a:t>
+                      </a:r>
+                    </a:p>
+                  </a:txBody>
+                  <a:tcPr/>
+                </a:tc>
+                <a:tc>
+                  <a:txBody>
+                    <a:bodyPr/>
+                    <a:lstStyle/>
+                    <a:p>
+                      <a:r>
+                        <a:t>-2041.1723452118194</a:t>
                       </a:r>
                     </a:p>
                   </a:txBody>
@@ -3688,19 +3678,19 @@
                     <a:lstStyle/>
                     <a:p>
                       <a:r>
-                        <a:t>Total Energy Regenerated</a:t>
-                      </a:r>
-                    </a:p>
-                  </a:txBody>
-                  <a:tcPr/>
-                </a:tc>
-                <a:tc>
-                  <a:txBody>
-                    <a:bodyPr/>
-                    <a:lstStyle/>
-                    <a:p>
-                      <a:r>
-                        <a:t>0.07929685166666668</a:t>
+                        <a:t>Total Energy Regenerated(kWh)</a:t>
+                      </a:r>
+                    </a:p>
+                  </a:txBody>
+                  <a:tcPr/>
+                </a:tc>
+                <a:tc>
+                  <a:txBody>
+                    <a:bodyPr/>
+                    <a:lstStyle/>
+                    <a:p>
+                      <a:r>
+                        <a:t>0.06724817500000001</a:t>
                       </a:r>
                     </a:p>
                   </a:txBody>
@@ -3714,19 +3704,19 @@
                     <a:lstStyle/>
                     <a:p>
                       <a:r>
-                        <a:t>Regenerative Effectiveness</a:t>
-                      </a:r>
-                    </a:p>
-                  </a:txBody>
-                  <a:tcPr/>
-                </a:tc>
-                <a:tc>
-                  <a:txBody>
-                    <a:bodyPr/>
-                    <a:lstStyle/>
-                    <a:p>
-                      <a:r>
-                        <a:t>-0.00464165532755325</a:t>
+                        <a:t>Regenerative Effectiveness(%)</a:t>
+                      </a:r>
+                    </a:p>
+                  </a:txBody>
+                  <a:tcPr/>
+                </a:tc>
+                <a:tc>
+                  <a:txBody>
+                    <a:bodyPr/>
+                    <a:lstStyle/>
+                    <a:p>
+                      <a:r>
+                        <a:t>0.003937596943956988</a:t>
                       </a:r>
                     </a:p>
                   </a:txBody>
@@ -3740,7 +3730,33 @@
                     <a:lstStyle/>
                     <a:p>
                       <a:r>
-                        <a:t>Lowest Cell Voltage</a:t>
+                        <a:t>Highest Cell Voltage(V)</a:t>
+                      </a:r>
+                    </a:p>
+                  </a:txBody>
+                  <a:tcPr/>
+                </a:tc>
+                <a:tc>
+                  <a:txBody>
+                    <a:bodyPr/>
+                    <a:lstStyle/>
+                    <a:p>
+                      <a:r>
+                        <a:t>3.43</a:t>
+                      </a:r>
+                    </a:p>
+                  </a:txBody>
+                  <a:tcPr/>
+                </a:tc>
+              </a:tr>
+              <a:tr h="326571">
+                <a:tc>
+                  <a:txBody>
+                    <a:bodyPr/>
+                    <a:lstStyle/>
+                    <a:p>
+                      <a:r>
+                        <a:t>Lowest Cell Voltage(V)</a:t>
                       </a:r>
                     </a:p>
                   </a:txBody>
@@ -3766,19 +3782,19 @@
                     <a:lstStyle/>
                     <a:p>
                       <a:r>
-                        <a:t>Highest Cell Voltage</a:t>
-                      </a:r>
-                    </a:p>
-                  </a:txBody>
-                  <a:tcPr/>
-                </a:tc>
-                <a:tc>
-                  <a:txBody>
-                    <a:bodyPr/>
-                    <a:lstStyle/>
-                    <a:p>
-                      <a:r>
-                        <a:t>3.435</a:t>
+                        <a:t>Difference in Cell Voltage(V)</a:t>
+                      </a:r>
+                    </a:p>
+                  </a:txBody>
+                  <a:tcPr/>
+                </a:tc>
+                <a:tc>
+                  <a:txBody>
+                    <a:bodyPr/>
+                    <a:lstStyle/>
+                    <a:p>
+                      <a:r>
+                        <a:t>0.3420000000000001</a:t>
                       </a:r>
                     </a:p>
                   </a:txBody>
@@ -3792,19 +3808,19 @@
                     <a:lstStyle/>
                     <a:p>
                       <a:r>
-                        <a:t>Difference in Cell Voltage</a:t>
-                      </a:r>
-                    </a:p>
-                  </a:txBody>
-                  <a:tcPr/>
-                </a:tc>
-                <a:tc>
-                  <a:txBody>
-                    <a:bodyPr/>
-                    <a:lstStyle/>
-                    <a:p>
-                      <a:r>
-                        <a:t>0.347</a:t>
+                        <a:t>Minimum Temperature(C)</a:t>
+                      </a:r>
+                    </a:p>
+                  </a:txBody>
+                  <a:tcPr/>
+                </a:tc>
+                <a:tc>
+                  <a:txBody>
+                    <a:bodyPr/>
+                    <a:lstStyle/>
+                    <a:p>
+                      <a:r>
+                        <a:t>38.0</a:t>
                       </a:r>
                     </a:p>
                   </a:txBody>
@@ -3818,19 +3834,19 @@
                     <a:lstStyle/>
                     <a:p>
                       <a:r>
-                        <a:t>Minimum Temperature</a:t>
-                      </a:r>
-                    </a:p>
-                  </a:txBody>
-                  <a:tcPr/>
-                </a:tc>
-                <a:tc>
-                  <a:txBody>
-                    <a:bodyPr/>
-                    <a:lstStyle/>
-                    <a:p>
-                      <a:r>
-                        <a:t>38.0</a:t>
+                        <a:t>Maximum Temperature(C)</a:t>
+                      </a:r>
+                    </a:p>
+                  </a:txBody>
+                  <a:tcPr/>
+                </a:tc>
+                <a:tc>
+                  <a:txBody>
+                    <a:bodyPr/>
+                    <a:lstStyle/>
+                    <a:p>
+                      <a:r>
+                        <a:t>47.0</a:t>
                       </a:r>
                     </a:p>
                   </a:txBody>
@@ -3844,19 +3860,19 @@
                     <a:lstStyle/>
                     <a:p>
                       <a:r>
-                        <a:t>Maximum Temperature</a:t>
-                      </a:r>
-                    </a:p>
-                  </a:txBody>
-                  <a:tcPr/>
-                </a:tc>
-                <a:tc>
-                  <a:txBody>
-                    <a:bodyPr/>
-                    <a:lstStyle/>
-                    <a:p>
-                      <a:r>
-                        <a:t>47.0</a:t>
+                        <a:t>Difference in Temperature(C)</a:t>
+                      </a:r>
+                    </a:p>
+                  </a:txBody>
+                  <a:tcPr/>
+                </a:tc>
+                <a:tc>
+                  <a:txBody>
+                    <a:bodyPr/>
+                    <a:lstStyle/>
+                    <a:p>
+                      <a:r>
+                        <a:t>9.0</a:t>
                       </a:r>
                     </a:p>
                   </a:txBody>
@@ -3870,19 +3886,19 @@
                     <a:lstStyle/>
                     <a:p>
                       <a:r>
-                        <a:t>Difference in Temperature</a:t>
-                      </a:r>
-                    </a:p>
-                  </a:txBody>
-                  <a:tcPr/>
-                </a:tc>
-                <a:tc>
-                  <a:txBody>
-                    <a:bodyPr/>
-                    <a:lstStyle/>
-                    <a:p>
-                      <a:r>
-                        <a:t>nan</a:t>
+                        <a:t>Maximum Fet Temperature-BMS(C)</a:t>
+                      </a:r>
+                    </a:p>
+                  </a:txBody>
+                  <a:tcPr/>
+                </a:tc>
+                <a:tc>
+                  <a:txBody>
+                    <a:bodyPr/>
+                    <a:lstStyle/>
+                    <a:p>
+                      <a:r>
+                        <a:t>68.0</a:t>
                       </a:r>
                     </a:p>
                   </a:txBody>
@@ -3896,19 +3912,19 @@
                     <a:lstStyle/>
                     <a:p>
                       <a:r>
-                        <a:t>Maximum Fet Temperature</a:t>
-                      </a:r>
-                    </a:p>
-                  </a:txBody>
-                  <a:tcPr/>
-                </a:tc>
-                <a:tc>
-                  <a:txBody>
-                    <a:bodyPr/>
-                    <a:lstStyle/>
-                    <a:p>
-                      <a:r>
-                        <a:t>68.0</a:t>
+                        <a:t>Maximum Afe Temperature-BMS(C)</a:t>
+                      </a:r>
+                    </a:p>
+                  </a:txBody>
+                  <a:tcPr/>
+                </a:tc>
+                <a:tc>
+                  <a:txBody>
+                    <a:bodyPr/>
+                    <a:lstStyle/>
+                    <a:p>
+                      <a:r>
+                        <a:t>67.0</a:t>
                       </a:r>
                     </a:p>
                   </a:txBody>
@@ -3922,19 +3938,19 @@
                     <a:lstStyle/>
                     <a:p>
                       <a:r>
-                        <a:t>Maximum Afe Temperature</a:t>
-                      </a:r>
-                    </a:p>
-                  </a:txBody>
-                  <a:tcPr/>
-                </a:tc>
-                <a:tc>
-                  <a:txBody>
-                    <a:bodyPr/>
-                    <a:lstStyle/>
-                    <a:p>
-                      <a:r>
-                        <a:t>67.0</a:t>
+                        <a:t>Maximum PCB Temperature-BMS(C)</a:t>
+                      </a:r>
+                    </a:p>
+                  </a:txBody>
+                  <a:tcPr/>
+                </a:tc>
+                <a:tc>
+                  <a:txBody>
+                    <a:bodyPr/>
+                    <a:lstStyle/>
+                    <a:p>
+                      <a:r>
+                        <a:t>65.0</a:t>
                       </a:r>
                     </a:p>
                   </a:txBody>
@@ -3948,33 +3964,7 @@
                     <a:lstStyle/>
                     <a:p>
                       <a:r>
-                        <a:t>Maximum PCB Temperature</a:t>
-                      </a:r>
-                    </a:p>
-                  </a:txBody>
-                  <a:tcPr/>
-                </a:tc>
-                <a:tc>
-                  <a:txBody>
-                    <a:bodyPr/>
-                    <a:lstStyle/>
-                    <a:p>
-                      <a:r>
-                        <a:t>65.0</a:t>
-                      </a:r>
-                    </a:p>
-                  </a:txBody>
-                  <a:tcPr/>
-                </a:tc>
-              </a:tr>
-              <a:tr h="326571">
-                <a:tc>
-                  <a:txBody>
-                    <a:bodyPr/>
-                    <a:lstStyle/>
-                    <a:p>
-                      <a:r>
-                        <a:t>Maximum MCU Temperature</a:t>
+                        <a:t>Maximum MCU Temperature(C)</a:t>
                       </a:r>
                     </a:p>
                   </a:txBody>
@@ -4000,7 +3990,7 @@
                     <a:lstStyle/>
                     <a:p>
                       <a:r>
-                        <a:t>Maximum Motor Temperature</a:t>
+                        <a:t>Maximum Motor Temperature(C)</a:t>
                       </a:r>
                     </a:p>
                   </a:txBody>
@@ -4117,7 +4107,7 @@
                     <a:lstStyle/>
                     <a:p>
                       <a:r>
-                        <a:t>Abnormal Motor Temperature Detected</a:t>
+                        <a:t>Abnormal Motor Temperature Detected(C)</a:t>
                       </a:r>
                     </a:p>
                   </a:txBody>
@@ -4143,7 +4133,7 @@
                     <a:lstStyle/>
                     <a:p>
                       <a:r>
-                        <a:t>lowest cell temp</a:t>
+                        <a:t>highest cell temp(C)</a:t>
                       </a:r>
                     </a:p>
                   </a:txBody>
@@ -4169,7 +4159,7 @@
                     <a:lstStyle/>
                     <a:p>
                       <a:r>
-                        <a:t>highest cell temp</a:t>
+                        <a:t>lowest cell temp(C)</a:t>
                       </a:r>
                     </a:p>
                   </a:txBody>
@@ -4195,7 +4185,7 @@
                     <a:lstStyle/>
                     <a:p>
                       <a:r>
-                        <a:t>Difference between Highest and Lowest Cell Temperature at 100% SOC</a:t>
+                        <a:t>Difference between Highest and Lowest Cell Temperature at 100% SOC(C)</a:t>
                       </a:r>
                     </a:p>
                   </a:txBody>
@@ -4221,19 +4211,19 @@
                     <a:lstStyle/>
                     <a:p>
                       <a:r>
-                        <a:t>Maximum BMS Temperature in C</a:t>
-                      </a:r>
-                    </a:p>
-                  </a:txBody>
-                  <a:tcPr/>
-                </a:tc>
-                <a:tc>
-                  <a:txBody>
-                    <a:bodyPr/>
-                    <a:lstStyle/>
-                    <a:p>
-                      <a:r>
-                        <a:t>68.0</a:t>
+                        <a:t>Battery Voltage(V)</a:t>
+                      </a:r>
+                    </a:p>
+                  </a:txBody>
+                  <a:tcPr/>
+                </a:tc>
+                <a:tc>
+                  <a:txBody>
+                    <a:bodyPr/>
+                    <a:lstStyle/>
+                    <a:p>
+                      <a:r>
+                        <a:t>54.0</a:t>
                       </a:r>
                     </a:p>
                   </a:txBody>
@@ -4247,19 +4237,19 @@
                     <a:lstStyle/>
                     <a:p>
                       <a:r>
-                        <a:t>Battery Voltage</a:t>
-                      </a:r>
-                    </a:p>
-                  </a:txBody>
-                  <a:tcPr/>
-                </a:tc>
-                <a:tc>
-                  <a:txBody>
-                    <a:bodyPr/>
-                    <a:lstStyle/>
-                    <a:p>
-                      <a:r>
-                        <a:t>5.4</a:t>
+                        <a:t>Total energy charged(kWh)</a:t>
+                      </a:r>
+                    </a:p>
+                  </a:txBody>
+                  <a:tcPr/>
+                </a:tc>
+                <a:tc>
+                  <a:txBody>
+                    <a:bodyPr/>
+                    <a:lstStyle/>
+                    <a:p>
+                      <a:r>
+                        <a:t>1.80906054</a:t>
                       </a:r>
                     </a:p>
                   </a:txBody>
@@ -4273,19 +4263,19 @@
                     <a:lstStyle/>
                     <a:p>
                       <a:r>
-                        <a:t>Total energy charged in kWh</a:t>
-                      </a:r>
-                    </a:p>
-                  </a:txBody>
-                  <a:tcPr/>
-                </a:tc>
-                <a:tc>
-                  <a:txBody>
-                    <a:bodyPr/>
-                    <a:lstStyle/>
-                    <a:p>
-                      <a:r>
-                        <a:t>0.1809585345</a:t>
+                        <a:t>Electricity consumption units(kW)</a:t>
+                      </a:r>
+                    </a:p>
+                  </a:txBody>
+                  <a:tcPr/>
+                </a:tc>
+                <a:tc>
+                  <a:txBody>
+                    <a:bodyPr/>
+                    <a:lstStyle/>
+                    <a:p>
+                      <a:r>
+                        <a:t>1.6628617361570703e-07</a:t>
                       </a:r>
                     </a:p>
                   </a:txBody>
@@ -4299,19 +4289,19 @@
                     <a:lstStyle/>
                     <a:p>
                       <a:r>
-                        <a:t>Electricity consumption units in kW</a:t>
-                      </a:r>
-                    </a:p>
-                  </a:txBody>
-                  <a:tcPr/>
-                </a:tc>
-                <a:tc>
-                  <a:txBody>
-                    <a:bodyPr/>
-                    <a:lstStyle/>
-                    <a:p>
-                      <a:r>
-                        <a:t>1.588693412873999e-08</a:t>
+                        <a:t>Idling time percentage</a:t>
+                      </a:r>
+                    </a:p>
+                  </a:txBody>
+                  <a:tcPr/>
+                </a:tc>
+                <a:tc>
+                  <a:txBody>
+                    <a:bodyPr/>
+                    <a:lstStyle/>
+                    <a:p>
+                      <a:r>
+                        <a:t>0.6348974677078012</a:t>
                       </a:r>
                     </a:p>
                   </a:txBody>
@@ -4325,19 +4315,19 @@
                     <a:lstStyle/>
                     <a:p>
                       <a:r>
-                        <a:t>Idling time percentage</a:t>
-                      </a:r>
-                    </a:p>
-                  </a:txBody>
-                  <a:tcPr/>
-                </a:tc>
-                <a:tc>
-                  <a:txBody>
-                    <a:bodyPr/>
-                    <a:lstStyle/>
-                    <a:p>
-                      <a:r>
-                        <a:t>4.033601777284088</a:t>
+                        <a:t>Time spent in 0-10 km/h</a:t>
+                      </a:r>
+                    </a:p>
+                  </a:txBody>
+                  <a:tcPr/>
+                </a:tc>
+                <a:tc>
+                  <a:txBody>
+                    <a:bodyPr/>
+                    <a:lstStyle/>
+                    <a:p>
+                      <a:r>
+                        <a:t>4.8493030723199295</a:t>
                       </a:r>
                     </a:p>
                   </a:txBody>
@@ -4351,19 +4341,19 @@
                     <a:lstStyle/>
                     <a:p>
                       <a:r>
-                        <a:t>Time spent in 0-10 km/h</a:t>
-                      </a:r>
-                    </a:p>
-                  </a:txBody>
-                  <a:tcPr/>
-                </a:tc>
-                <a:tc>
-                  <a:txBody>
-                    <a:bodyPr/>
-                    <a:lstStyle/>
-                    <a:p>
-                      <a:r>
-                        <a:t>8.65037489586226</a:t>
+                        <a:t>Time spent in 10-20 km/h</a:t>
+                      </a:r>
+                    </a:p>
+                  </a:txBody>
+                  <a:tcPr/>
+                </a:tc>
+                <a:tc>
+                  <a:txBody>
+                    <a:bodyPr/>
+                    <a:lstStyle/>
+                    <a:p>
+                      <a:r>
+                        <a:t>8.115011311391667</a:t>
                       </a:r>
                     </a:p>
                   </a:txBody>
@@ -4377,19 +4367,19 @@
                     <a:lstStyle/>
                     <a:p>
                       <a:r>
-                        <a:t>Time spent in 10-20 km/h</a:t>
-                      </a:r>
-                    </a:p>
-                  </a:txBody>
-                  <a:tcPr/>
-                </a:tc>
-                <a:tc>
-                  <a:txBody>
-                    <a:bodyPr/>
-                    <a:lstStyle/>
-                    <a:p>
-                      <a:r>
-                        <a:t>7.730491530130519</a:t>
+                        <a:t>Time spent in 20-30 km/h</a:t>
+                      </a:r>
+                    </a:p>
+                  </a:txBody>
+                  <a:tcPr/>
+                </a:tc>
+                <a:tc>
+                  <a:txBody>
+                    <a:bodyPr/>
+                    <a:lstStyle/>
+                    <a:p>
+                      <a:r>
+                        <a:t>16.069473837845727</a:t>
                       </a:r>
                     </a:p>
                   </a:txBody>
@@ -4403,19 +4393,19 @@
                     <a:lstStyle/>
                     <a:p>
                       <a:r>
-                        <a:t>Time spent in 20-30 km/h</a:t>
-                      </a:r>
-                    </a:p>
-                  </a:txBody>
-                  <a:tcPr/>
-                </a:tc>
-                <a:tc>
-                  <a:txBody>
-                    <a:bodyPr/>
-                    <a:lstStyle/>
-                    <a:p>
-                      <a:r>
-                        <a:t>15.315190224937517</a:t>
+                        <a:t>Time spent in 30-40 km/h</a:t>
+                      </a:r>
+                    </a:p>
+                  </a:txBody>
+                  <a:tcPr/>
+                </a:tc>
+                <a:tc>
+                  <a:txBody>
+                    <a:bodyPr/>
+                    <a:lstStyle/>
+                    <a:p>
+                      <a:r>
+                        <a:t>26.731372692111215</a:t>
                       </a:r>
                     </a:p>
                   </a:txBody>
@@ -4429,19 +4419,19 @@
                     <a:lstStyle/>
                     <a:p>
                       <a:r>
-                        <a:t>Time spent in 30-40 km/h</a:t>
-                      </a:r>
-                    </a:p>
-                  </a:txBody>
-                  <a:tcPr/>
-                </a:tc>
-                <a:tc>
-                  <a:txBody>
-                    <a:bodyPr/>
-                    <a:lstStyle/>
-                    <a:p>
-                      <a:r>
-                        <a:t>25.461677311857816</a:t>
+                        <a:t>Time spent in 40-50 km/h</a:t>
+                      </a:r>
+                    </a:p>
+                  </a:txBody>
+                  <a:tcPr/>
+                </a:tc>
+                <a:tc>
+                  <a:txBody>
+                    <a:bodyPr/>
+                    <a:lstStyle/>
+                    <a:p>
+                      <a:r>
+                        <a:t>12.5702400934102</a:t>
                       </a:r>
                     </a:p>
                   </a:txBody>
@@ -4546,19 +4536,19 @@
                     <a:lstStyle/>
                     <a:p>
                       <a:r>
-                        <a:t>Time spent in 40-50 km/h</a:t>
-                      </a:r>
-                    </a:p>
-                  </a:txBody>
-                  <a:tcPr/>
-                </a:tc>
-                <a:tc>
-                  <a:txBody>
-                    <a:bodyPr/>
-                    <a:lstStyle/>
-                    <a:p>
-                      <a:r>
-                        <a:t>11.982782560399889</a:t>
+                        <a:t>Time spent in 50-60 km/h</a:t>
+                      </a:r>
+                    </a:p>
+                  </a:txBody>
+                  <a:tcPr/>
+                </a:tc>
+                <a:tc>
+                  <a:txBody>
+                    <a:bodyPr/>
+                    <a:lstStyle/>
+                    <a:p>
+                      <a:r>
+                        <a:t>13.055535284244327</a:t>
                       </a:r>
                     </a:p>
                   </a:txBody>
@@ -4572,19 +4562,19 @@
                     <a:lstStyle/>
                     <a:p>
                       <a:r>
-                        <a:t>Time spent in 50-60 km/h</a:t>
-                      </a:r>
-                    </a:p>
-                  </a:txBody>
-                  <a:tcPr/>
-                </a:tc>
-                <a:tc>
-                  <a:txBody>
-                    <a:bodyPr/>
-                    <a:lstStyle/>
-                    <a:p>
-                      <a:r>
-                        <a:t>12.43751735628992</a:t>
+                        <a:t>Time spent in 60-70 km/h</a:t>
+                      </a:r>
+                    </a:p>
+                  </a:txBody>
+                  <a:tcPr/>
+                </a:tc>
+                <a:tc>
+                  <a:txBody>
+                    <a:bodyPr/>
+                    <a:lstStyle/>
+                    <a:p>
+                      <a:r>
+                        <a:t>10.078085090856016</a:t>
                       </a:r>
                     </a:p>
                   </a:txBody>
@@ -4598,19 +4588,19 @@
                     <a:lstStyle/>
                     <a:p>
                       <a:r>
-                        <a:t>Time spent in 60-70 km/h</a:t>
-                      </a:r>
-                    </a:p>
-                  </a:txBody>
-                  <a:tcPr/>
-                </a:tc>
-                <a:tc>
-                  <a:txBody>
-                    <a:bodyPr/>
-                    <a:lstStyle/>
-                    <a:p>
-                      <a:r>
-                        <a:t>9.615384615384617</a:t>
+                        <a:t>Time spent in 70-80 km/h</a:t>
+                      </a:r>
+                    </a:p>
+                  </a:txBody>
+                  <a:tcPr/>
+                </a:tc>
+                <a:tc>
+                  <a:txBody>
+                    <a:bodyPr/>
+                    <a:lstStyle/>
+                    <a:p>
+                      <a:r>
+                        <a:t>7.724585857111581</a:t>
                       </a:r>
                     </a:p>
                   </a:txBody>
@@ -4622,15 +4612,23 @@
                   <a:txBody>
                     <a:bodyPr/>
                     <a:lstStyle/>
-                    <a:p/>
-                  </a:txBody>
-                  <a:tcPr/>
-                </a:tc>
-                <a:tc>
-                  <a:txBody>
-                    <a:bodyPr/>
-                    <a:lstStyle/>
-                    <a:p/>
+                    <a:p>
+                      <a:r>
+                        <a:t>Time spent in 80-90 km/h</a:t>
+                      </a:r>
+                    </a:p>
+                  </a:txBody>
+                  <a:tcPr/>
+                </a:tc>
+                <a:tc>
+                  <a:txBody>
+                    <a:bodyPr/>
+                    <a:lstStyle/>
+                    <a:p>
+                      <a:r>
+                        <a:t>0.0</a:t>
+                      </a:r>
+                    </a:p>
                   </a:txBody>
                   <a:tcPr/>
                 </a:tc>

--- a/Automationdashboard/MAIN_FOLDER/Automation_Dashboard_Batterywise/V2/D11_03_2024/B4_BT02_13.59_14.50/analysis_B4_BT02_13.59_14.50.pptx
+++ b/Automationdashboard/MAIN_FOLDER/Automation_Dashboard_Batterywise/V2/D11_03_2024/B4_BT02_13.59_14.50/analysis_B4_BT02_13.59_14.50.pptx
@@ -3234,6 +3234,32 @@
                     <a:lstStyle/>
                     <a:p>
                       <a:r>
+                        <a:t>Date and Time</a:t>
+                      </a:r>
+                    </a:p>
+                  </a:txBody>
+                  <a:tcPr/>
+                </a:tc>
+                <a:tc>
+                  <a:txBody>
+                    <a:bodyPr/>
+                    <a:lstStyle/>
+                    <a:p>
+                      <a:r>
+                        <a:t>2024-03-11 13:57:50.218000 to 2024-03-11 14:50:42.310000</a:t>
+                      </a:r>
+                    </a:p>
+                  </a:txBody>
+                  <a:tcPr/>
+                </a:tc>
+              </a:tr>
+              <a:tr h="326571">
+                <a:tc>
+                  <a:txBody>
+                    <a:bodyPr/>
+                    <a:lstStyle/>
+                    <a:p>
+                      <a:r>
                         <a:t>Total time taken for the ride</a:t>
                       </a:r>
                     </a:p>
@@ -3376,6 +3402,32 @@
                     <a:lstStyle/>
                     <a:p>
                       <a:r>
+                        <a:t>99.0</a:t>
+                      </a:r>
+                    </a:p>
+                  </a:txBody>
+                  <a:tcPr/>
+                </a:tc>
+              </a:tr>
+              <a:tr h="326571">
+                <a:tc>
+                  <a:txBody>
+                    <a:bodyPr/>
+                    <a:lstStyle/>
+                    <a:p>
+                      <a:r>
+                        <a:t>Ending SoC (%)</a:t>
+                      </a:r>
+                    </a:p>
+                  </a:txBody>
+                  <a:tcPr/>
+                </a:tc>
+                <a:tc>
+                  <a:txBody>
+                    <a:bodyPr/>
+                    <a:lstStyle/>
+                    <a:p>
+                      <a:r>
                         <a:t>16.0</a:t>
                       </a:r>
                     </a:p>
@@ -3390,19 +3442,19 @@
                     <a:lstStyle/>
                     <a:p>
                       <a:r>
-                        <a:t>Ending SoC (%)</a:t>
-                      </a:r>
-                    </a:p>
-                  </a:txBody>
-                  <a:tcPr/>
-                </a:tc>
-                <a:tc>
-                  <a:txBody>
-                    <a:bodyPr/>
-                    <a:lstStyle/>
-                    <a:p>
-                      <a:r>
-                        <a:t>99.0</a:t>
+                        <a:t>Total distance covered (km)</a:t>
+                      </a:r>
+                    </a:p>
+                  </a:txBody>
+                  <a:tcPr/>
+                </a:tc>
+                <a:tc>
+                  <a:txBody>
+                    <a:bodyPr/>
+                    <a:lstStyle/>
+                    <a:p>
+                      <a:r>
+                        <a:t>32.76320401356542</a:t>
                       </a:r>
                     </a:p>
                   </a:txBody>
@@ -3416,19 +3468,19 @@
                     <a:lstStyle/>
                     <a:p>
                       <a:r>
-                        <a:t>Total distance covered (in kilometers)</a:t>
-                      </a:r>
-                    </a:p>
-                  </a:txBody>
-                  <a:tcPr/>
-                </a:tc>
-                <a:tc>
-                  <a:txBody>
-                    <a:bodyPr/>
-                    <a:lstStyle/>
-                    <a:p>
-                      <a:r>
-                        <a:t>32.76320401356542</a:t>
+                        <a:t>Total energy consumption(WH/KM)</a:t>
+                      </a:r>
+                    </a:p>
+                  </a:txBody>
+                  <a:tcPr/>
+                </a:tc>
+                <a:tc>
+                  <a:txBody>
+                    <a:bodyPr/>
+                    <a:lstStyle/>
+                    <a:p>
+                      <a:r>
+                        <a:t>52.14066088337565</a:t>
                       </a:r>
                     </a:p>
                   </a:txBody>
@@ -3442,19 +3494,19 @@
                     <a:lstStyle/>
                     <a:p>
                       <a:r>
-                        <a:t>WH/KM</a:t>
-                      </a:r>
-                    </a:p>
-                  </a:txBody>
-                  <a:tcPr/>
-                </a:tc>
-                <a:tc>
-                  <a:txBody>
-                    <a:bodyPr/>
-                    <a:lstStyle/>
-                    <a:p>
-                      <a:r>
-                        <a:t>52.14066088337565</a:t>
+                        <a:t>Total SOC consumed(%)</a:t>
+                      </a:r>
+                    </a:p>
+                  </a:txBody>
+                  <a:tcPr/>
+                </a:tc>
+                <a:tc>
+                  <a:txBody>
+                    <a:bodyPr/>
+                    <a:lstStyle/>
+                    <a:p>
+                      <a:r>
+                        <a:t>83.0</a:t>
                       </a:r>
                     </a:p>
                   </a:txBody>
@@ -3468,32 +3520,6 @@
                     <a:lstStyle/>
                     <a:p>
                       <a:r>
-                        <a:t>Total SOC consumed</a:t>
-                      </a:r>
-                    </a:p>
-                  </a:txBody>
-                  <a:tcPr/>
-                </a:tc>
-                <a:tc>
-                  <a:txBody>
-                    <a:bodyPr/>
-                    <a:lstStyle/>
-                    <a:p>
-                      <a:r>
-                        <a:t>83.0</a:t>
-                      </a:r>
-                    </a:p>
-                  </a:txBody>
-                  <a:tcPr/>
-                </a:tc>
-              </a:tr>
-              <a:tr h="326571">
-                <a:tc>
-                  <a:txBody>
-                    <a:bodyPr/>
-                    <a:lstStyle/>
-                    <a:p>
-                      <a:r>
                         <a:t>Mode</a:t>
                       </a:r>
                     </a:p>
@@ -3538,14 +3564,14 @@
                   <a:tcPr/>
                 </a:tc>
               </a:tr>
-              <a:tr h="326571">
-                <a:tc>
-                  <a:txBody>
-                    <a:bodyPr/>
-                    <a:lstStyle/>
-                    <a:p>
-                      <a:r>
-                        <a:t>Peak Power</a:t>
+              <a:tr h="326577">
+                <a:tc>
+                  <a:txBody>
+                    <a:bodyPr/>
+                    <a:lstStyle/>
+                    <a:p>
+                      <a:r>
+                        <a:t>Peak Power(kW)</a:t>
                       </a:r>
                     </a:p>
                   </a:txBody>
@@ -3558,32 +3584,6 @@
                     <a:p>
                       <a:r>
                         <a:t>5428.3737</a:t>
-                      </a:r>
-                    </a:p>
-                  </a:txBody>
-                  <a:tcPr/>
-                </a:tc>
-              </a:tr>
-              <a:tr h="326577">
-                <a:tc>
-                  <a:txBody>
-                    <a:bodyPr/>
-                    <a:lstStyle/>
-                    <a:p>
-                      <a:r>
-                        <a:t>Average Power</a:t>
-                      </a:r>
-                    </a:p>
-                  </a:txBody>
-                  <a:tcPr/>
-                </a:tc>
-                <a:tc>
-                  <a:txBody>
-                    <a:bodyPr/>
-                    <a:lstStyle/>
-                    <a:p>
-                      <a:r>
-                        <a:t>-1951.0984758017132</a:t>
                       </a:r>
                     </a:p>
                   </a:txBody>
@@ -3688,7 +3688,33 @@
                     <a:lstStyle/>
                     <a:p>
                       <a:r>
-                        <a:t>Total Energy Regenerated</a:t>
+                        <a:t>Average Power(kW)</a:t>
+                      </a:r>
+                    </a:p>
+                  </a:txBody>
+                  <a:tcPr/>
+                </a:tc>
+                <a:tc>
+                  <a:txBody>
+                    <a:bodyPr/>
+                    <a:lstStyle/>
+                    <a:p>
+                      <a:r>
+                        <a:t>-1951.0984758017132</a:t>
+                      </a:r>
+                    </a:p>
+                  </a:txBody>
+                  <a:tcPr/>
+                </a:tc>
+              </a:tr>
+              <a:tr h="326571">
+                <a:tc>
+                  <a:txBody>
+                    <a:bodyPr/>
+                    <a:lstStyle/>
+                    <a:p>
+                      <a:r>
+                        <a:t>Total Energy Regenerated(kWh)</a:t>
                       </a:r>
                     </a:p>
                   </a:txBody>
@@ -3714,19 +3740,19 @@
                     <a:lstStyle/>
                     <a:p>
                       <a:r>
-                        <a:t>Regenerative Effectiveness</a:t>
-                      </a:r>
-                    </a:p>
-                  </a:txBody>
-                  <a:tcPr/>
-                </a:tc>
-                <a:tc>
-                  <a:txBody>
-                    <a:bodyPr/>
-                    <a:lstStyle/>
-                    <a:p>
-                      <a:r>
-                        <a:t>-0.00464165532755325</a:t>
+                        <a:t>Regenerative Effectiveness(%)</a:t>
+                      </a:r>
+                    </a:p>
+                  </a:txBody>
+                  <a:tcPr/>
+                </a:tc>
+                <a:tc>
+                  <a:txBody>
+                    <a:bodyPr/>
+                    <a:lstStyle/>
+                    <a:p>
+                      <a:r>
+                        <a:t>0.00464165532755325</a:t>
                       </a:r>
                     </a:p>
                   </a:txBody>
@@ -3740,7 +3766,33 @@
                     <a:lstStyle/>
                     <a:p>
                       <a:r>
-                        <a:t>Lowest Cell Voltage</a:t>
+                        <a:t>Highest Cell Voltage(V)</a:t>
+                      </a:r>
+                    </a:p>
+                  </a:txBody>
+                  <a:tcPr/>
+                </a:tc>
+                <a:tc>
+                  <a:txBody>
+                    <a:bodyPr/>
+                    <a:lstStyle/>
+                    <a:p>
+                      <a:r>
+                        <a:t>3.435</a:t>
+                      </a:r>
+                    </a:p>
+                  </a:txBody>
+                  <a:tcPr/>
+                </a:tc>
+              </a:tr>
+              <a:tr h="326571">
+                <a:tc>
+                  <a:txBody>
+                    <a:bodyPr/>
+                    <a:lstStyle/>
+                    <a:p>
+                      <a:r>
+                        <a:t>Lowest Cell Voltage(V)</a:t>
                       </a:r>
                     </a:p>
                   </a:txBody>
@@ -3766,19 +3818,19 @@
                     <a:lstStyle/>
                     <a:p>
                       <a:r>
-                        <a:t>Highest Cell Voltage</a:t>
-                      </a:r>
-                    </a:p>
-                  </a:txBody>
-                  <a:tcPr/>
-                </a:tc>
-                <a:tc>
-                  <a:txBody>
-                    <a:bodyPr/>
-                    <a:lstStyle/>
-                    <a:p>
-                      <a:r>
-                        <a:t>3.435</a:t>
+                        <a:t>Difference in Cell Voltage(V)</a:t>
+                      </a:r>
+                    </a:p>
+                  </a:txBody>
+                  <a:tcPr/>
+                </a:tc>
+                <a:tc>
+                  <a:txBody>
+                    <a:bodyPr/>
+                    <a:lstStyle/>
+                    <a:p>
+                      <a:r>
+                        <a:t>0.347</a:t>
                       </a:r>
                     </a:p>
                   </a:txBody>
@@ -3792,19 +3844,19 @@
                     <a:lstStyle/>
                     <a:p>
                       <a:r>
-                        <a:t>Difference in Cell Voltage</a:t>
-                      </a:r>
-                    </a:p>
-                  </a:txBody>
-                  <a:tcPr/>
-                </a:tc>
-                <a:tc>
-                  <a:txBody>
-                    <a:bodyPr/>
-                    <a:lstStyle/>
-                    <a:p>
-                      <a:r>
-                        <a:t>0.347</a:t>
+                        <a:t>Minimum Temperature(C)</a:t>
+                      </a:r>
+                    </a:p>
+                  </a:txBody>
+                  <a:tcPr/>
+                </a:tc>
+                <a:tc>
+                  <a:txBody>
+                    <a:bodyPr/>
+                    <a:lstStyle/>
+                    <a:p>
+                      <a:r>
+                        <a:t>38.0</a:t>
                       </a:r>
                     </a:p>
                   </a:txBody>
@@ -3818,19 +3870,19 @@
                     <a:lstStyle/>
                     <a:p>
                       <a:r>
-                        <a:t>Minimum Temperature</a:t>
-                      </a:r>
-                    </a:p>
-                  </a:txBody>
-                  <a:tcPr/>
-                </a:tc>
-                <a:tc>
-                  <a:txBody>
-                    <a:bodyPr/>
-                    <a:lstStyle/>
-                    <a:p>
-                      <a:r>
-                        <a:t>38.0</a:t>
+                        <a:t>Maximum Temperature(C)</a:t>
+                      </a:r>
+                    </a:p>
+                  </a:txBody>
+                  <a:tcPr/>
+                </a:tc>
+                <a:tc>
+                  <a:txBody>
+                    <a:bodyPr/>
+                    <a:lstStyle/>
+                    <a:p>
+                      <a:r>
+                        <a:t>47.0</a:t>
                       </a:r>
                     </a:p>
                   </a:txBody>
@@ -3844,19 +3896,19 @@
                     <a:lstStyle/>
                     <a:p>
                       <a:r>
-                        <a:t>Maximum Temperature</a:t>
-                      </a:r>
-                    </a:p>
-                  </a:txBody>
-                  <a:tcPr/>
-                </a:tc>
-                <a:tc>
-                  <a:txBody>
-                    <a:bodyPr/>
-                    <a:lstStyle/>
-                    <a:p>
-                      <a:r>
-                        <a:t>47.0</a:t>
+                        <a:t>Difference in Temperature(C)</a:t>
+                      </a:r>
+                    </a:p>
+                  </a:txBody>
+                  <a:tcPr/>
+                </a:tc>
+                <a:tc>
+                  <a:txBody>
+                    <a:bodyPr/>
+                    <a:lstStyle/>
+                    <a:p>
+                      <a:r>
+                        <a:t>9.0</a:t>
                       </a:r>
                     </a:p>
                   </a:txBody>
@@ -3870,19 +3922,19 @@
                     <a:lstStyle/>
                     <a:p>
                       <a:r>
-                        <a:t>Difference in Temperature</a:t>
-                      </a:r>
-                    </a:p>
-                  </a:txBody>
-                  <a:tcPr/>
-                </a:tc>
-                <a:tc>
-                  <a:txBody>
-                    <a:bodyPr/>
-                    <a:lstStyle/>
-                    <a:p>
-                      <a:r>
-                        <a:t>nan</a:t>
+                        <a:t>Maximum Fet Temperature-BMS(C)</a:t>
+                      </a:r>
+                    </a:p>
+                  </a:txBody>
+                  <a:tcPr/>
+                </a:tc>
+                <a:tc>
+                  <a:txBody>
+                    <a:bodyPr/>
+                    <a:lstStyle/>
+                    <a:p>
+                      <a:r>
+                        <a:t>68.0</a:t>
                       </a:r>
                     </a:p>
                   </a:txBody>
@@ -3896,19 +3948,19 @@
                     <a:lstStyle/>
                     <a:p>
                       <a:r>
-                        <a:t>Maximum Fet Temperature</a:t>
-                      </a:r>
-                    </a:p>
-                  </a:txBody>
-                  <a:tcPr/>
-                </a:tc>
-                <a:tc>
-                  <a:txBody>
-                    <a:bodyPr/>
-                    <a:lstStyle/>
-                    <a:p>
-                      <a:r>
-                        <a:t>68.0</a:t>
+                        <a:t>Maximum Afe Temperature-BMS(C)</a:t>
+                      </a:r>
+                    </a:p>
+                  </a:txBody>
+                  <a:tcPr/>
+                </a:tc>
+                <a:tc>
+                  <a:txBody>
+                    <a:bodyPr/>
+                    <a:lstStyle/>
+                    <a:p>
+                      <a:r>
+                        <a:t>67.0</a:t>
                       </a:r>
                     </a:p>
                   </a:txBody>
@@ -3922,33 +3974,7 @@
                     <a:lstStyle/>
                     <a:p>
                       <a:r>
-                        <a:t>Maximum Afe Temperature</a:t>
-                      </a:r>
-                    </a:p>
-                  </a:txBody>
-                  <a:tcPr/>
-                </a:tc>
-                <a:tc>
-                  <a:txBody>
-                    <a:bodyPr/>
-                    <a:lstStyle/>
-                    <a:p>
-                      <a:r>
-                        <a:t>67.0</a:t>
-                      </a:r>
-                    </a:p>
-                  </a:txBody>
-                  <a:tcPr/>
-                </a:tc>
-              </a:tr>
-              <a:tr h="326571">
-                <a:tc>
-                  <a:txBody>
-                    <a:bodyPr/>
-                    <a:lstStyle/>
-                    <a:p>
-                      <a:r>
-                        <a:t>Maximum PCB Temperature</a:t>
+                        <a:t>Maximum PCB Temperature-BMS(C)</a:t>
                       </a:r>
                     </a:p>
                   </a:txBody>
@@ -3967,14 +3993,14 @@
                   <a:tcPr/>
                 </a:tc>
               </a:tr>
-              <a:tr h="326571">
-                <a:tc>
-                  <a:txBody>
-                    <a:bodyPr/>
-                    <a:lstStyle/>
-                    <a:p>
-                      <a:r>
-                        <a:t>Maximum MCU Temperature</a:t>
+              <a:tr h="326577">
+                <a:tc>
+                  <a:txBody>
+                    <a:bodyPr/>
+                    <a:lstStyle/>
+                    <a:p>
+                      <a:r>
+                        <a:t>Maximum MCU Temperature(C)</a:t>
                       </a:r>
                     </a:p>
                   </a:txBody>
@@ -3987,32 +4013,6 @@
                     <a:p>
                       <a:r>
                         <a:t>71.0</a:t>
-                      </a:r>
-                    </a:p>
-                  </a:txBody>
-                  <a:tcPr/>
-                </a:tc>
-              </a:tr>
-              <a:tr h="326577">
-                <a:tc>
-                  <a:txBody>
-                    <a:bodyPr/>
-                    <a:lstStyle/>
-                    <a:p>
-                      <a:r>
-                        <a:t>Maximum Motor Temperature</a:t>
-                      </a:r>
-                    </a:p>
-                  </a:txBody>
-                  <a:tcPr/>
-                </a:tc>
-                <a:tc>
-                  <a:txBody>
-                    <a:bodyPr/>
-                    <a:lstStyle/>
-                    <a:p>
-                      <a:r>
-                        <a:t>101.0</a:t>
                       </a:r>
                     </a:p>
                   </a:txBody>
@@ -4117,7 +4117,33 @@
                     <a:lstStyle/>
                     <a:p>
                       <a:r>
-                        <a:t>Abnormal Motor Temperature Detected</a:t>
+                        <a:t>Maximum Motor Temperature(C)</a:t>
+                      </a:r>
+                    </a:p>
+                  </a:txBody>
+                  <a:tcPr/>
+                </a:tc>
+                <a:tc>
+                  <a:txBody>
+                    <a:bodyPr/>
+                    <a:lstStyle/>
+                    <a:p>
+                      <a:r>
+                        <a:t>101.0</a:t>
+                      </a:r>
+                    </a:p>
+                  </a:txBody>
+                  <a:tcPr/>
+                </a:tc>
+              </a:tr>
+              <a:tr h="326571">
+                <a:tc>
+                  <a:txBody>
+                    <a:bodyPr/>
+                    <a:lstStyle/>
+                    <a:p>
+                      <a:r>
+                        <a:t>Abnormal Motor Temperature Detected(C)</a:t>
                       </a:r>
                     </a:p>
                   </a:txBody>
@@ -4143,7 +4169,7 @@
                     <a:lstStyle/>
                     <a:p>
                       <a:r>
-                        <a:t>lowest cell temp</a:t>
+                        <a:t>highest cell temp(C)</a:t>
                       </a:r>
                     </a:p>
                   </a:txBody>
@@ -4169,7 +4195,7 @@
                     <a:lstStyle/>
                     <a:p>
                       <a:r>
-                        <a:t>highest cell temp</a:t>
+                        <a:t>lowest cell temp(C)</a:t>
                       </a:r>
                     </a:p>
                   </a:txBody>
@@ -4195,7 +4221,7 @@
                     <a:lstStyle/>
                     <a:p>
                       <a:r>
-                        <a:t>Difference between Highest and Lowest Cell Temperature at 100% SOC</a:t>
+                        <a:t>Difference between Highest and Lowest Cell Temperature at 100% SOC(C)</a:t>
                       </a:r>
                     </a:p>
                   </a:txBody>
@@ -4221,19 +4247,19 @@
                     <a:lstStyle/>
                     <a:p>
                       <a:r>
-                        <a:t>Maximum BMS Temperature in C</a:t>
-                      </a:r>
-                    </a:p>
-                  </a:txBody>
-                  <a:tcPr/>
-                </a:tc>
-                <a:tc>
-                  <a:txBody>
-                    <a:bodyPr/>
-                    <a:lstStyle/>
-                    <a:p>
-                      <a:r>
-                        <a:t>68.0</a:t>
+                        <a:t>Battery Voltage(V)</a:t>
+                      </a:r>
+                    </a:p>
+                  </a:txBody>
+                  <a:tcPr/>
+                </a:tc>
+                <a:tc>
+                  <a:txBody>
+                    <a:bodyPr/>
+                    <a:lstStyle/>
+                    <a:p>
+                      <a:r>
+                        <a:t>54.0</a:t>
                       </a:r>
                     </a:p>
                   </a:txBody>
@@ -4247,19 +4273,19 @@
                     <a:lstStyle/>
                     <a:p>
                       <a:r>
-                        <a:t>Battery Voltage</a:t>
-                      </a:r>
-                    </a:p>
-                  </a:txBody>
-                  <a:tcPr/>
-                </a:tc>
-                <a:tc>
-                  <a:txBody>
-                    <a:bodyPr/>
-                    <a:lstStyle/>
-                    <a:p>
-                      <a:r>
-                        <a:t>5.4</a:t>
+                        <a:t>Total energy charged(kWh)</a:t>
+                      </a:r>
+                    </a:p>
+                  </a:txBody>
+                  <a:tcPr/>
+                </a:tc>
+                <a:tc>
+                  <a:txBody>
+                    <a:bodyPr/>
+                    <a:lstStyle/>
+                    <a:p>
+                      <a:r>
+                        <a:t>1.8095853449999995</a:t>
                       </a:r>
                     </a:p>
                   </a:txBody>
@@ -4273,19 +4299,19 @@
                     <a:lstStyle/>
                     <a:p>
                       <a:r>
-                        <a:t>Total energy charged in kWh</a:t>
-                      </a:r>
-                    </a:p>
-                  </a:txBody>
-                  <a:tcPr/>
-                </a:tc>
-                <a:tc>
-                  <a:txBody>
-                    <a:bodyPr/>
-                    <a:lstStyle/>
-                    <a:p>
-                      <a:r>
-                        <a:t>0.1809585345</a:t>
+                        <a:t>Electricity consumption units(kW)</a:t>
+                      </a:r>
+                    </a:p>
+                  </a:txBody>
+                  <a:tcPr/>
+                </a:tc>
+                <a:tc>
+                  <a:txBody>
+                    <a:bodyPr/>
+                    <a:lstStyle/>
+                    <a:p>
+                      <a:r>
+                        <a:t>1.5886934128739988e-07</a:t>
                       </a:r>
                     </a:p>
                   </a:txBody>
@@ -4299,19 +4325,19 @@
                     <a:lstStyle/>
                     <a:p>
                       <a:r>
-                        <a:t>Electricity consumption units in kW</a:t>
-                      </a:r>
-                    </a:p>
-                  </a:txBody>
-                  <a:tcPr/>
-                </a:tc>
-                <a:tc>
-                  <a:txBody>
-                    <a:bodyPr/>
-                    <a:lstStyle/>
-                    <a:p>
-                      <a:r>
-                        <a:t>1.588693412873999e-08</a:t>
+                        <a:t>Cycle Count of battery</a:t>
+                      </a:r>
+                    </a:p>
+                  </a:txBody>
+                  <a:tcPr/>
+                </a:tc>
+                <a:tc>
+                  <a:txBody>
+                    <a:bodyPr/>
+                    <a:lstStyle/>
+                    <a:p>
+                      <a:r>
+                        <a:t>42.0</a:t>
                       </a:r>
                     </a:p>
                   </a:txBody>
@@ -4337,7 +4363,7 @@
                     <a:lstStyle/>
                     <a:p>
                       <a:r>
-                        <a:t>4.033601777284088</a:t>
+                        <a:t>5.4672313246320465</a:t>
                       </a:r>
                     </a:p>
                   </a:txBody>
@@ -4363,7 +4389,7 @@
                     <a:lstStyle/>
                     <a:p>
                       <a:r>
-                        <a:t>8.65037489586226</a:t>
+                        <a:t>4.616773118578172</a:t>
                       </a:r>
                     </a:p>
                   </a:txBody>
@@ -4389,14 +4415,14 @@
                     <a:lstStyle/>
                     <a:p>
                       <a:r>
-                        <a:t>7.730491530130519</a:t>
-                      </a:r>
-                    </a:p>
-                  </a:txBody>
-                  <a:tcPr/>
-                </a:tc>
-              </a:tr>
-              <a:tr h="326571">
+                        <a:t>7.720077756178839</a:t>
+                      </a:r>
+                    </a:p>
+                  </a:txBody>
+                  <a:tcPr/>
+                </a:tc>
+              </a:tr>
+              <a:tr h="326577">
                 <a:tc>
                   <a:txBody>
                     <a:bodyPr/>
@@ -4415,33 +4441,7 @@
                     <a:lstStyle/>
                     <a:p>
                       <a:r>
-                        <a:t>15.315190224937517</a:t>
-                      </a:r>
-                    </a:p>
-                  </a:txBody>
-                  <a:tcPr/>
-                </a:tc>
-              </a:tr>
-              <a:tr h="326577">
-                <a:tc>
-                  <a:txBody>
-                    <a:bodyPr/>
-                    <a:lstStyle/>
-                    <a:p>
-                      <a:r>
-                        <a:t>Time spent in 30-40 km/h</a:t>
-                      </a:r>
-                    </a:p>
-                  </a:txBody>
-                  <a:tcPr/>
-                </a:tc>
-                <a:tc>
-                  <a:txBody>
-                    <a:bodyPr/>
-                    <a:lstStyle/>
-                    <a:p>
-                      <a:r>
-                        <a:t>25.461677311857816</a:t>
+                        <a:t>15.28742016106637</a:t>
                       </a:r>
                     </a:p>
                   </a:txBody>
@@ -4546,6 +4546,32 @@
                     <a:lstStyle/>
                     <a:p>
                       <a:r>
+                        <a:t>Time spent in 30-40 km/h</a:t>
+                      </a:r>
+                    </a:p>
+                  </a:txBody>
+                  <a:tcPr/>
+                </a:tc>
+                <a:tc>
+                  <a:txBody>
+                    <a:bodyPr/>
+                    <a:lstStyle/>
+                    <a:p>
+                      <a:r>
+                        <a:t>25.430435990002774</a:t>
+                      </a:r>
+                    </a:p>
+                  </a:txBody>
+                  <a:tcPr/>
+                </a:tc>
+              </a:tr>
+              <a:tr h="326571">
+                <a:tc>
+                  <a:txBody>
+                    <a:bodyPr/>
+                    <a:lstStyle/>
+                    <a:p>
+                      <a:r>
                         <a:t>Time spent in 40-50 km/h</a:t>
                       </a:r>
                     </a:p>
@@ -4558,7 +4584,7 @@
                     <a:lstStyle/>
                     <a:p>
                       <a:r>
-                        <a:t>11.982782560399889</a:t>
+                        <a:t>11.958483754512637</a:t>
                       </a:r>
                     </a:p>
                   </a:txBody>
@@ -4584,7 +4610,7 @@
                     <a:lstStyle/>
                     <a:p>
                       <a:r>
-                        <a:t>12.43751735628992</a:t>
+                        <a:t>12.420161066370452</a:t>
                       </a:r>
                     </a:p>
                   </a:txBody>
@@ -4610,7 +4636,7 @@
                     <a:lstStyle/>
                     <a:p>
                       <a:r>
-                        <a:t>9.615384615384617</a:t>
+                        <a:t>9.587614551513468</a:t>
                       </a:r>
                     </a:p>
                   </a:txBody>
@@ -4622,15 +4648,23 @@
                   <a:txBody>
                     <a:bodyPr/>
                     <a:lstStyle/>
-                    <a:p/>
-                  </a:txBody>
-                  <a:tcPr/>
-                </a:tc>
-                <a:tc>
-                  <a:txBody>
-                    <a:bodyPr/>
-                    <a:lstStyle/>
-                    <a:p/>
+                    <a:p>
+                      <a:r>
+                        <a:t>Time spent in 70-80 km/h</a:t>
+                      </a:r>
+                    </a:p>
+                  </a:txBody>
+                  <a:tcPr/>
+                </a:tc>
+                <a:tc>
+                  <a:txBody>
+                    <a:bodyPr/>
+                    <a:lstStyle/>
+                    <a:p>
+                      <a:r>
+                        <a:t>7.3486531519022495</a:t>
+                      </a:r>
+                    </a:p>
                   </a:txBody>
                   <a:tcPr/>
                 </a:tc>
@@ -4640,33 +4674,23 @@
                   <a:txBody>
                     <a:bodyPr/>
                     <a:lstStyle/>
-                    <a:p/>
-                  </a:txBody>
-                  <a:tcPr/>
-                </a:tc>
-                <a:tc>
-                  <a:txBody>
-                    <a:bodyPr/>
-                    <a:lstStyle/>
-                    <a:p/>
-                  </a:txBody>
-                  <a:tcPr/>
-                </a:tc>
-              </a:tr>
-              <a:tr h="326571">
-                <a:tc>
-                  <a:txBody>
-                    <a:bodyPr/>
-                    <a:lstStyle/>
-                    <a:p/>
-                  </a:txBody>
-                  <a:tcPr/>
-                </a:tc>
-                <a:tc>
-                  <a:txBody>
-                    <a:bodyPr/>
-                    <a:lstStyle/>
-                    <a:p/>
+                    <a:p>
+                      <a:r>
+                        <a:t>Time spent in 80-90 km/h</a:t>
+                      </a:r>
+                    </a:p>
+                  </a:txBody>
+                  <a:tcPr/>
+                </a:tc>
+                <a:tc>
+                  <a:txBody>
+                    <a:bodyPr/>
+                    <a:lstStyle/>
+                    <a:p>
+                      <a:r>
+                        <a:t>0.0</a:t>
+                      </a:r>
+                    </a:p>
                   </a:txBody>
                   <a:tcPr/>
                 </a:tc>
